--- a/QCPreso.pptx
+++ b/QCPreso.pptx
@@ -11154,6 +11154,64 @@
       </p:grpSpPr>
       <p:sp>
         <p:nvSpPr>
+          <p:cNvPr id="25" name="Cloud 24">
+            <a:extLst>
+              <a:ext uri="{FF2B5EF4-FFF2-40B4-BE49-F238E27FC236}">
+                <a16:creationId xmlns:a16="http://schemas.microsoft.com/office/drawing/2014/main" id="{DEACB7EA-51C9-4C4E-828E-5447792A62CE}"/>
+              </a:ext>
+            </a:extLst>
+          </p:cNvPr>
+          <p:cNvSpPr/>
+          <p:nvPr/>
+        </p:nvSpPr>
+        <p:spPr>
+          <a:xfrm>
+            <a:off x="3161644" y="776042"/>
+            <a:ext cx="4390039" cy="2826380"/>
+          </a:xfrm>
+          <a:prstGeom prst="cloud">
+            <a:avLst/>
+          </a:prstGeom>
+          <a:solidFill>
+            <a:schemeClr val="tx1">
+              <a:lumMod val="10000"/>
+              <a:lumOff val="90000"/>
+            </a:schemeClr>
+          </a:solidFill>
+          <a:ln>
+            <a:solidFill>
+              <a:schemeClr val="bg1"/>
+            </a:solidFill>
+          </a:ln>
+          <a:effectLst/>
+        </p:spPr>
+        <p:style>
+          <a:lnRef idx="2">
+            <a:schemeClr val="accent1">
+              <a:shade val="50000"/>
+            </a:schemeClr>
+          </a:lnRef>
+          <a:fillRef idx="1">
+            <a:schemeClr val="accent1"/>
+          </a:fillRef>
+          <a:effectRef idx="0">
+            <a:schemeClr val="accent1"/>
+          </a:effectRef>
+          <a:fontRef idx="minor">
+            <a:schemeClr val="lt1"/>
+          </a:fontRef>
+        </p:style>
+        <p:txBody>
+          <a:bodyPr rtlCol="0" anchor="ctr"/>
+          <a:lstStyle/>
+          <a:p>
+            <a:pPr algn="ctr"/>
+            <a:endParaRPr lang="en-US" dirty="0"/>
+          </a:p>
+        </p:txBody>
+      </p:sp>
+      <p:sp>
+        <p:nvSpPr>
           <p:cNvPr id="14" name="Can 13">
             <a:extLst>
               <a:ext uri="{FF2B5EF4-FFF2-40B4-BE49-F238E27FC236}">
@@ -11917,59 +11975,6 @@
       </p:sp>
       <p:sp>
         <p:nvSpPr>
-          <p:cNvPr id="25" name="Cloud 24">
-            <a:extLst>
-              <a:ext uri="{FF2B5EF4-FFF2-40B4-BE49-F238E27FC236}">
-                <a16:creationId xmlns:a16="http://schemas.microsoft.com/office/drawing/2014/main" id="{DEACB7EA-51C9-4C4E-828E-5447792A62CE}"/>
-              </a:ext>
-            </a:extLst>
-          </p:cNvPr>
-          <p:cNvSpPr/>
-          <p:nvPr/>
-        </p:nvSpPr>
-        <p:spPr>
-          <a:xfrm>
-            <a:off x="3161644" y="776042"/>
-            <a:ext cx="4390039" cy="2826380"/>
-          </a:xfrm>
-          <a:prstGeom prst="cloud">
-            <a:avLst/>
-          </a:prstGeom>
-          <a:noFill/>
-          <a:ln>
-            <a:solidFill>
-              <a:schemeClr val="bg1"/>
-            </a:solidFill>
-          </a:ln>
-          <a:effectLst/>
-        </p:spPr>
-        <p:style>
-          <a:lnRef idx="2">
-            <a:schemeClr val="accent1">
-              <a:shade val="50000"/>
-            </a:schemeClr>
-          </a:lnRef>
-          <a:fillRef idx="1">
-            <a:schemeClr val="accent1"/>
-          </a:fillRef>
-          <a:effectRef idx="0">
-            <a:schemeClr val="accent1"/>
-          </a:effectRef>
-          <a:fontRef idx="minor">
-            <a:schemeClr val="lt1"/>
-          </a:fontRef>
-        </p:style>
-        <p:txBody>
-          <a:bodyPr rtlCol="0" anchor="ctr"/>
-          <a:lstStyle/>
-          <a:p>
-            <a:pPr algn="ctr"/>
-            <a:endParaRPr lang="en-US" dirty="0"/>
-          </a:p>
-        </p:txBody>
-      </p:sp>
-      <p:sp>
-        <p:nvSpPr>
           <p:cNvPr id="27" name="TextBox 26">
             <a:extLst>
               <a:ext uri="{FF2B5EF4-FFF2-40B4-BE49-F238E27FC236}">
@@ -12026,7 +12031,9 @@
             <a:avLst/>
           </a:prstGeom>
           <a:solidFill>
-            <a:schemeClr val="bg2"/>
+            <a:schemeClr val="bg2">
+              <a:lumMod val="95000"/>
+            </a:schemeClr>
           </a:solidFill>
           <a:ln>
             <a:solidFill>
@@ -12865,9 +12872,10 @@
           <a:p>
             <a:pPr algn="ctr"/>
             <a:r>
-              <a:rPr lang="en-US" dirty="0"/>
-              <a:t>Teams Space</a:t>
+              <a:rPr lang="en-US"/>
+              <a:t>Teams Space(s)</a:t>
             </a:r>
+            <a:endParaRPr lang="en-US" dirty="0"/>
           </a:p>
           <a:p>
             <a:pPr algn="ctr"/>
